--- a/docs/IntroSlide.pptx
+++ b/docs/IntroSlide.pptx
@@ -5,10 +5,11 @@
     <p:sldMasterId id="2147483672" r:id="rId1"/>
   </p:sldMasterIdLst>
   <p:notesMasterIdLst>
-    <p:notesMasterId r:id="rId3"/>
+    <p:notesMasterId r:id="rId4"/>
   </p:notesMasterIdLst>
   <p:sldIdLst>
     <p:sldId id="256" r:id="rId2"/>
+    <p:sldId id="257" r:id="rId3"/>
   </p:sldIdLst>
   <p:sldSz cx="6858000" cy="9144000" type="letter"/>
   <p:notesSz cx="6858000" cy="9144000"/>
@@ -107,6 +108,11 @@
       </a:defRPr>
     </a:lvl9pPr>
   </p:defaultTextStyle>
+  <p:extLst>
+    <p:ext uri="{EFAFB233-063F-42B5-8137-9DF3F51BA10A}">
+      <p15:sldGuideLst xmlns:p15="http://schemas.microsoft.com/office/powerpoint/2012/main"/>
+    </p:ext>
+  </p:extLst>
 </p:presentation>
 </file>
 
@@ -192,7 +198,7 @@
           <a:p>
             <a:fld id="{BE0FBC6B-ECDA-E84C-A9B5-11EC478FBE33}" type="datetimeFigureOut">
               <a:rPr lang="en-US" smtClean="0"/>
-              <a:t>12/23/22</a:t>
+              <a:t>1/9/23</a:t>
             </a:fld>
             <a:endParaRPr lang="en-US"/>
           </a:p>
@@ -674,7 +680,7 @@
           <a:p>
             <a:fld id="{E0434288-5E32-9949-BFBC-7031B3C73DE4}" type="datetimeFigureOut">
               <a:rPr lang="en-US" smtClean="0"/>
-              <a:t>12/23/22</a:t>
+              <a:t>1/9/23</a:t>
             </a:fld>
             <a:endParaRPr lang="en-US"/>
           </a:p>
@@ -844,7 +850,7 @@
           <a:p>
             <a:fld id="{E0434288-5E32-9949-BFBC-7031B3C73DE4}" type="datetimeFigureOut">
               <a:rPr lang="en-US" smtClean="0"/>
-              <a:t>12/23/22</a:t>
+              <a:t>1/9/23</a:t>
             </a:fld>
             <a:endParaRPr lang="en-US"/>
           </a:p>
@@ -1024,7 +1030,7 @@
           <a:p>
             <a:fld id="{E0434288-5E32-9949-BFBC-7031B3C73DE4}" type="datetimeFigureOut">
               <a:rPr lang="en-US" smtClean="0"/>
-              <a:t>12/23/22</a:t>
+              <a:t>1/9/23</a:t>
             </a:fld>
             <a:endParaRPr lang="en-US"/>
           </a:p>
@@ -1194,7 +1200,7 @@
           <a:p>
             <a:fld id="{E0434288-5E32-9949-BFBC-7031B3C73DE4}" type="datetimeFigureOut">
               <a:rPr lang="en-US" smtClean="0"/>
-              <a:t>12/23/22</a:t>
+              <a:t>1/9/23</a:t>
             </a:fld>
             <a:endParaRPr lang="en-US"/>
           </a:p>
@@ -1438,7 +1444,7 @@
           <a:p>
             <a:fld id="{E0434288-5E32-9949-BFBC-7031B3C73DE4}" type="datetimeFigureOut">
               <a:rPr lang="en-US" smtClean="0"/>
-              <a:t>12/23/22</a:t>
+              <a:t>1/9/23</a:t>
             </a:fld>
             <a:endParaRPr lang="en-US"/>
           </a:p>
@@ -1670,7 +1676,7 @@
           <a:p>
             <a:fld id="{E0434288-5E32-9949-BFBC-7031B3C73DE4}" type="datetimeFigureOut">
               <a:rPr lang="en-US" smtClean="0"/>
-              <a:t>12/23/22</a:t>
+              <a:t>1/9/23</a:t>
             </a:fld>
             <a:endParaRPr lang="en-US"/>
           </a:p>
@@ -2037,7 +2043,7 @@
           <a:p>
             <a:fld id="{E0434288-5E32-9949-BFBC-7031B3C73DE4}" type="datetimeFigureOut">
               <a:rPr lang="en-US" smtClean="0"/>
-              <a:t>12/23/22</a:t>
+              <a:t>1/9/23</a:t>
             </a:fld>
             <a:endParaRPr lang="en-US"/>
           </a:p>
@@ -2155,7 +2161,7 @@
           <a:p>
             <a:fld id="{E0434288-5E32-9949-BFBC-7031B3C73DE4}" type="datetimeFigureOut">
               <a:rPr lang="en-US" smtClean="0"/>
-              <a:t>12/23/22</a:t>
+              <a:t>1/9/23</a:t>
             </a:fld>
             <a:endParaRPr lang="en-US"/>
           </a:p>
@@ -2250,7 +2256,7 @@
           <a:p>
             <a:fld id="{E0434288-5E32-9949-BFBC-7031B3C73DE4}" type="datetimeFigureOut">
               <a:rPr lang="en-US" smtClean="0"/>
-              <a:t>12/23/22</a:t>
+              <a:t>1/9/23</a:t>
             </a:fld>
             <a:endParaRPr lang="en-US"/>
           </a:p>
@@ -2527,7 +2533,7 @@
           <a:p>
             <a:fld id="{E0434288-5E32-9949-BFBC-7031B3C73DE4}" type="datetimeFigureOut">
               <a:rPr lang="en-US" smtClean="0"/>
-              <a:t>12/23/22</a:t>
+              <a:t>1/9/23</a:t>
             </a:fld>
             <a:endParaRPr lang="en-US"/>
           </a:p>
@@ -2784,7 +2790,7 @@
           <a:p>
             <a:fld id="{E0434288-5E32-9949-BFBC-7031B3C73DE4}" type="datetimeFigureOut">
               <a:rPr lang="en-US" smtClean="0"/>
-              <a:t>12/23/22</a:t>
+              <a:t>1/9/23</a:t>
             </a:fld>
             <a:endParaRPr lang="en-US"/>
           </a:p>
@@ -2997,7 +3003,7 @@
           <a:p>
             <a:fld id="{E0434288-5E32-9949-BFBC-7031B3C73DE4}" type="datetimeFigureOut">
               <a:rPr lang="en-US" smtClean="0"/>
-              <a:t>12/23/22</a:t>
+              <a:t>1/9/23</a:t>
             </a:fld>
             <a:endParaRPr lang="en-US"/>
           </a:p>
@@ -3526,6 +3532,423 @@
     <p:extLst>
       <p:ext uri="{BB962C8B-B14F-4D97-AF65-F5344CB8AC3E}">
         <p14:creationId xmlns:p14="http://schemas.microsoft.com/office/powerpoint/2010/main" val="1025238056"/>
+      </p:ext>
+    </p:extLst>
+  </p:cSld>
+  <p:clrMapOvr>
+    <a:masterClrMapping/>
+  </p:clrMapOvr>
+</p:sld>
+</file>
+
+<file path=ppt/slides/slide2.xml><?xml version="1.0" encoding="utf-8"?>
+<p:sld xmlns:a="http://schemas.openxmlformats.org/drawingml/2006/main" xmlns:r="http://schemas.openxmlformats.org/officeDocument/2006/relationships" xmlns:p="http://schemas.openxmlformats.org/presentationml/2006/main">
+  <p:cSld>
+    <p:spTree>
+      <p:nvGrpSpPr>
+        <p:cNvPr id="1" name=""/>
+        <p:cNvGrpSpPr/>
+        <p:nvPr/>
+      </p:nvGrpSpPr>
+      <p:grpSpPr>
+        <a:xfrm>
+          <a:off x="0" y="0"/>
+          <a:ext cx="0" cy="0"/>
+          <a:chOff x="0" y="0"/>
+          <a:chExt cx="0" cy="0"/>
+        </a:xfrm>
+      </p:grpSpPr>
+      <p:pic>
+        <p:nvPicPr>
+          <p:cNvPr id="4" name="Picture 3">
+            <a:extLst>
+              <a:ext uri="{FF2B5EF4-FFF2-40B4-BE49-F238E27FC236}">
+                <a16:creationId xmlns:a16="http://schemas.microsoft.com/office/drawing/2014/main" id="{B8670F09-DC83-B6FA-A5C5-0812A06D7C14}"/>
+              </a:ext>
+            </a:extLst>
+          </p:cNvPr>
+          <p:cNvPicPr>
+            <a:picLocks noChangeAspect="1"/>
+          </p:cNvPicPr>
+          <p:nvPr/>
+        </p:nvPicPr>
+        <p:blipFill>
+          <a:blip r:embed="rId2"/>
+          <a:stretch>
+            <a:fillRect/>
+          </a:stretch>
+        </p:blipFill>
+        <p:spPr>
+          <a:xfrm>
+            <a:off x="1477818" y="2472459"/>
+            <a:ext cx="3708400" cy="3644900"/>
+          </a:xfrm>
+          <a:prstGeom prst="rect">
+            <a:avLst/>
+          </a:prstGeom>
+        </p:spPr>
+      </p:pic>
+      <p:cxnSp>
+        <p:nvCxnSpPr>
+          <p:cNvPr id="6" name="Straight Arrow Connector 5">
+            <a:extLst>
+              <a:ext uri="{FF2B5EF4-FFF2-40B4-BE49-F238E27FC236}">
+                <a16:creationId xmlns:a16="http://schemas.microsoft.com/office/drawing/2014/main" id="{8A27B03C-4280-D1AD-3423-0B1157D6A192}"/>
+              </a:ext>
+            </a:extLst>
+          </p:cNvPr>
+          <p:cNvCxnSpPr/>
+          <p:nvPr/>
+        </p:nvCxnSpPr>
+        <p:spPr>
+          <a:xfrm flipH="1">
+            <a:off x="4763654" y="4114800"/>
+            <a:ext cx="845127" cy="0"/>
+          </a:xfrm>
+          <a:prstGeom prst="straightConnector1">
+            <a:avLst/>
+          </a:prstGeom>
+          <a:ln w="38100">
+            <a:solidFill>
+              <a:schemeClr val="tx1"/>
+            </a:solidFill>
+            <a:tailEnd type="triangle"/>
+          </a:ln>
+        </p:spPr>
+        <p:style>
+          <a:lnRef idx="1">
+            <a:schemeClr val="accent1"/>
+          </a:lnRef>
+          <a:fillRef idx="0">
+            <a:schemeClr val="accent1"/>
+          </a:fillRef>
+          <a:effectRef idx="0">
+            <a:schemeClr val="accent1"/>
+          </a:effectRef>
+          <a:fontRef idx="minor">
+            <a:schemeClr val="tx1"/>
+          </a:fontRef>
+        </p:style>
+      </p:cxnSp>
+      <p:cxnSp>
+        <p:nvCxnSpPr>
+          <p:cNvPr id="7" name="Straight Arrow Connector 6">
+            <a:extLst>
+              <a:ext uri="{FF2B5EF4-FFF2-40B4-BE49-F238E27FC236}">
+                <a16:creationId xmlns:a16="http://schemas.microsoft.com/office/drawing/2014/main" id="{FCE55C7E-4819-6513-EB6D-236C7EA7227B}"/>
+              </a:ext>
+            </a:extLst>
+          </p:cNvPr>
+          <p:cNvCxnSpPr/>
+          <p:nvPr/>
+        </p:nvCxnSpPr>
+        <p:spPr>
+          <a:xfrm flipH="1">
+            <a:off x="4763654" y="3061854"/>
+            <a:ext cx="845127" cy="0"/>
+          </a:xfrm>
+          <a:prstGeom prst="straightConnector1">
+            <a:avLst/>
+          </a:prstGeom>
+          <a:ln w="38100">
+            <a:solidFill>
+              <a:schemeClr val="tx1"/>
+            </a:solidFill>
+            <a:tailEnd type="triangle"/>
+          </a:ln>
+        </p:spPr>
+        <p:style>
+          <a:lnRef idx="1">
+            <a:schemeClr val="accent1"/>
+          </a:lnRef>
+          <a:fillRef idx="0">
+            <a:schemeClr val="accent1"/>
+          </a:fillRef>
+          <a:effectRef idx="0">
+            <a:schemeClr val="accent1"/>
+          </a:effectRef>
+          <a:fontRef idx="minor">
+            <a:schemeClr val="tx1"/>
+          </a:fontRef>
+        </p:style>
+      </p:cxnSp>
+      <p:cxnSp>
+        <p:nvCxnSpPr>
+          <p:cNvPr id="8" name="Straight Arrow Connector 7">
+            <a:extLst>
+              <a:ext uri="{FF2B5EF4-FFF2-40B4-BE49-F238E27FC236}">
+                <a16:creationId xmlns:a16="http://schemas.microsoft.com/office/drawing/2014/main" id="{159A664B-EACB-FD48-013D-12E5616B12CF}"/>
+              </a:ext>
+            </a:extLst>
+          </p:cNvPr>
+          <p:cNvCxnSpPr>
+            <a:cxnSpLocks/>
+          </p:cNvCxnSpPr>
+          <p:nvPr/>
+        </p:nvCxnSpPr>
+        <p:spPr>
+          <a:xfrm flipH="1" flipV="1">
+            <a:off x="5026891" y="3297382"/>
+            <a:ext cx="581890" cy="159327"/>
+          </a:xfrm>
+          <a:prstGeom prst="straightConnector1">
+            <a:avLst/>
+          </a:prstGeom>
+          <a:ln w="38100">
+            <a:solidFill>
+              <a:schemeClr val="tx1"/>
+            </a:solidFill>
+            <a:tailEnd type="triangle"/>
+          </a:ln>
+        </p:spPr>
+        <p:style>
+          <a:lnRef idx="1">
+            <a:schemeClr val="accent1"/>
+          </a:lnRef>
+          <a:fillRef idx="0">
+            <a:schemeClr val="accent1"/>
+          </a:fillRef>
+          <a:effectRef idx="0">
+            <a:schemeClr val="accent1"/>
+          </a:effectRef>
+          <a:fontRef idx="minor">
+            <a:schemeClr val="tx1"/>
+          </a:fontRef>
+        </p:style>
+      </p:cxnSp>
+      <p:cxnSp>
+        <p:nvCxnSpPr>
+          <p:cNvPr id="10" name="Straight Arrow Connector 9">
+            <a:extLst>
+              <a:ext uri="{FF2B5EF4-FFF2-40B4-BE49-F238E27FC236}">
+                <a16:creationId xmlns:a16="http://schemas.microsoft.com/office/drawing/2014/main" id="{E059C3F1-13CB-6077-0349-57395B7B1403}"/>
+              </a:ext>
+            </a:extLst>
+          </p:cNvPr>
+          <p:cNvCxnSpPr>
+            <a:cxnSpLocks/>
+          </p:cNvCxnSpPr>
+          <p:nvPr/>
+        </p:nvCxnSpPr>
+        <p:spPr>
+          <a:xfrm flipH="1">
+            <a:off x="5026891" y="3456709"/>
+            <a:ext cx="581890" cy="103909"/>
+          </a:xfrm>
+          <a:prstGeom prst="straightConnector1">
+            <a:avLst/>
+          </a:prstGeom>
+          <a:ln w="38100">
+            <a:solidFill>
+              <a:schemeClr val="tx1"/>
+            </a:solidFill>
+            <a:tailEnd type="triangle"/>
+          </a:ln>
+        </p:spPr>
+        <p:style>
+          <a:lnRef idx="1">
+            <a:schemeClr val="accent1"/>
+          </a:lnRef>
+          <a:fillRef idx="0">
+            <a:schemeClr val="accent1"/>
+          </a:fillRef>
+          <a:effectRef idx="0">
+            <a:schemeClr val="accent1"/>
+          </a:effectRef>
+          <a:fontRef idx="minor">
+            <a:schemeClr val="tx1"/>
+          </a:fontRef>
+        </p:style>
+      </p:cxnSp>
+      <p:sp>
+        <p:nvSpPr>
+          <p:cNvPr id="16" name="TextBox 15">
+            <a:extLst>
+              <a:ext uri="{FF2B5EF4-FFF2-40B4-BE49-F238E27FC236}">
+                <a16:creationId xmlns:a16="http://schemas.microsoft.com/office/drawing/2014/main" id="{92FA36CA-83EB-A682-1147-712559062813}"/>
+              </a:ext>
+            </a:extLst>
+          </p:cNvPr>
+          <p:cNvSpPr txBox="1"/>
+          <p:nvPr/>
+        </p:nvSpPr>
+        <p:spPr>
+          <a:xfrm>
+            <a:off x="5608781" y="2848387"/>
+            <a:ext cx="569387" cy="369332"/>
+          </a:xfrm>
+          <a:prstGeom prst="rect">
+            <a:avLst/>
+          </a:prstGeom>
+          <a:noFill/>
+        </p:spPr>
+        <p:txBody>
+          <a:bodyPr wrap="none" rtlCol="0">
+            <a:spAutoFit/>
+          </a:bodyPr>
+          <a:lstStyle/>
+          <a:p>
+            <a:r>
+              <a:rPr lang="en-US" dirty="0"/>
+              <a:t>Skin</a:t>
+            </a:r>
+          </a:p>
+        </p:txBody>
+      </p:sp>
+      <p:sp>
+        <p:nvSpPr>
+          <p:cNvPr id="17" name="TextBox 16">
+            <a:extLst>
+              <a:ext uri="{FF2B5EF4-FFF2-40B4-BE49-F238E27FC236}">
+                <a16:creationId xmlns:a16="http://schemas.microsoft.com/office/drawing/2014/main" id="{09904D71-97C1-C6E0-1D10-9E0FF4198273}"/>
+              </a:ext>
+            </a:extLst>
+          </p:cNvPr>
+          <p:cNvSpPr txBox="1"/>
+          <p:nvPr/>
+        </p:nvSpPr>
+        <p:spPr>
+          <a:xfrm>
+            <a:off x="5608781" y="3288084"/>
+            <a:ext cx="899285" cy="369332"/>
+          </a:xfrm>
+          <a:prstGeom prst="rect">
+            <a:avLst/>
+          </a:prstGeom>
+          <a:noFill/>
+        </p:spPr>
+        <p:txBody>
+          <a:bodyPr wrap="none" rtlCol="0">
+            <a:spAutoFit/>
+          </a:bodyPr>
+          <a:lstStyle/>
+          <a:p>
+            <a:r>
+              <a:rPr lang="en-US" dirty="0"/>
+              <a:t>Cortical</a:t>
+            </a:r>
+          </a:p>
+        </p:txBody>
+      </p:sp>
+      <p:sp>
+        <p:nvSpPr>
+          <p:cNvPr id="18" name="TextBox 17">
+            <a:extLst>
+              <a:ext uri="{FF2B5EF4-FFF2-40B4-BE49-F238E27FC236}">
+                <a16:creationId xmlns:a16="http://schemas.microsoft.com/office/drawing/2014/main" id="{6E146D61-20A9-1A7F-99D9-3DD3E09FE86B}"/>
+              </a:ext>
+            </a:extLst>
+          </p:cNvPr>
+          <p:cNvSpPr txBox="1"/>
+          <p:nvPr/>
+        </p:nvSpPr>
+        <p:spPr>
+          <a:xfrm>
+            <a:off x="5627253" y="3925577"/>
+            <a:ext cx="670440" cy="369332"/>
+          </a:xfrm>
+          <a:prstGeom prst="rect">
+            <a:avLst/>
+          </a:prstGeom>
+          <a:noFill/>
+        </p:spPr>
+        <p:txBody>
+          <a:bodyPr wrap="none" rtlCol="0">
+            <a:spAutoFit/>
+          </a:bodyPr>
+          <a:lstStyle/>
+          <a:p>
+            <a:r>
+              <a:rPr lang="en-US" dirty="0"/>
+              <a:t>Brain</a:t>
+            </a:r>
+          </a:p>
+        </p:txBody>
+      </p:sp>
+      <p:sp>
+        <p:nvSpPr>
+          <p:cNvPr id="19" name="TextBox 18">
+            <a:extLst>
+              <a:ext uri="{FF2B5EF4-FFF2-40B4-BE49-F238E27FC236}">
+                <a16:creationId xmlns:a16="http://schemas.microsoft.com/office/drawing/2014/main" id="{3B635B2B-6E49-1855-128E-2911A571649E}"/>
+              </a:ext>
+            </a:extLst>
+          </p:cNvPr>
+          <p:cNvSpPr txBox="1"/>
+          <p:nvPr/>
+        </p:nvSpPr>
+        <p:spPr>
+          <a:xfrm>
+            <a:off x="66965" y="3375952"/>
+            <a:ext cx="1169103" cy="369332"/>
+          </a:xfrm>
+          <a:prstGeom prst="rect">
+            <a:avLst/>
+          </a:prstGeom>
+          <a:noFill/>
+        </p:spPr>
+        <p:txBody>
+          <a:bodyPr wrap="none" rtlCol="0">
+            <a:spAutoFit/>
+          </a:bodyPr>
+          <a:lstStyle/>
+          <a:p>
+            <a:r>
+              <a:rPr lang="en-US" dirty="0"/>
+              <a:t>Trabecular</a:t>
+            </a:r>
+          </a:p>
+        </p:txBody>
+      </p:sp>
+      <p:cxnSp>
+        <p:nvCxnSpPr>
+          <p:cNvPr id="20" name="Straight Arrow Connector 19">
+            <a:extLst>
+              <a:ext uri="{FF2B5EF4-FFF2-40B4-BE49-F238E27FC236}">
+                <a16:creationId xmlns:a16="http://schemas.microsoft.com/office/drawing/2014/main" id="{681B1B7E-C530-3C87-27AB-260924F8D0A3}"/>
+              </a:ext>
+            </a:extLst>
+          </p:cNvPr>
+          <p:cNvCxnSpPr>
+            <a:cxnSpLocks/>
+            <a:stCxn id="19" idx="3"/>
+          </p:cNvCxnSpPr>
+          <p:nvPr/>
+        </p:nvCxnSpPr>
+        <p:spPr>
+          <a:xfrm flipV="1">
+            <a:off x="1236068" y="3557154"/>
+            <a:ext cx="964496" cy="3464"/>
+          </a:xfrm>
+          <a:prstGeom prst="straightConnector1">
+            <a:avLst/>
+          </a:prstGeom>
+          <a:ln w="38100">
+            <a:solidFill>
+              <a:schemeClr val="tx1"/>
+            </a:solidFill>
+            <a:tailEnd type="triangle"/>
+          </a:ln>
+        </p:spPr>
+        <p:style>
+          <a:lnRef idx="1">
+            <a:schemeClr val="accent1"/>
+          </a:lnRef>
+          <a:fillRef idx="0">
+            <a:schemeClr val="accent1"/>
+          </a:fillRef>
+          <a:effectRef idx="0">
+            <a:schemeClr val="accent1"/>
+          </a:effectRef>
+          <a:fontRef idx="minor">
+            <a:schemeClr val="tx1"/>
+          </a:fontRef>
+        </p:style>
+      </p:cxnSp>
+    </p:spTree>
+    <p:extLst>
+      <p:ext uri="{BB962C8B-B14F-4D97-AF65-F5344CB8AC3E}">
+        <p14:creationId xmlns:p14="http://schemas.microsoft.com/office/powerpoint/2010/main" val="1496424581"/>
       </p:ext>
     </p:extLst>
   </p:cSld>

--- a/docs/IntroSlide.pptx
+++ b/docs/IntroSlide.pptx
@@ -5,11 +5,12 @@
     <p:sldMasterId id="2147483672" r:id="rId1"/>
   </p:sldMasterIdLst>
   <p:notesMasterIdLst>
-    <p:notesMasterId r:id="rId4"/>
+    <p:notesMasterId r:id="rId5"/>
   </p:notesMasterIdLst>
   <p:sldIdLst>
     <p:sldId id="256" r:id="rId2"/>
     <p:sldId id="257" r:id="rId3"/>
+    <p:sldId id="258" r:id="rId4"/>
   </p:sldIdLst>
   <p:sldSz cx="6858000" cy="9144000" type="letter"/>
   <p:notesSz cx="6858000" cy="9144000"/>
@@ -198,7 +199,7 @@
           <a:p>
             <a:fld id="{BE0FBC6B-ECDA-E84C-A9B5-11EC478FBE33}" type="datetimeFigureOut">
               <a:rPr lang="en-US" smtClean="0"/>
-              <a:t>1/9/23</a:t>
+              <a:t>1/10/23</a:t>
             </a:fld>
             <a:endParaRPr lang="en-US"/>
           </a:p>
@@ -680,7 +681,7 @@
           <a:p>
             <a:fld id="{E0434288-5E32-9949-BFBC-7031B3C73DE4}" type="datetimeFigureOut">
               <a:rPr lang="en-US" smtClean="0"/>
-              <a:t>1/9/23</a:t>
+              <a:t>1/10/23</a:t>
             </a:fld>
             <a:endParaRPr lang="en-US"/>
           </a:p>
@@ -850,7 +851,7 @@
           <a:p>
             <a:fld id="{E0434288-5E32-9949-BFBC-7031B3C73DE4}" type="datetimeFigureOut">
               <a:rPr lang="en-US" smtClean="0"/>
-              <a:t>1/9/23</a:t>
+              <a:t>1/10/23</a:t>
             </a:fld>
             <a:endParaRPr lang="en-US"/>
           </a:p>
@@ -1030,7 +1031,7 @@
           <a:p>
             <a:fld id="{E0434288-5E32-9949-BFBC-7031B3C73DE4}" type="datetimeFigureOut">
               <a:rPr lang="en-US" smtClean="0"/>
-              <a:t>1/9/23</a:t>
+              <a:t>1/10/23</a:t>
             </a:fld>
             <a:endParaRPr lang="en-US"/>
           </a:p>
@@ -1200,7 +1201,7 @@
           <a:p>
             <a:fld id="{E0434288-5E32-9949-BFBC-7031B3C73DE4}" type="datetimeFigureOut">
               <a:rPr lang="en-US" smtClean="0"/>
-              <a:t>1/9/23</a:t>
+              <a:t>1/10/23</a:t>
             </a:fld>
             <a:endParaRPr lang="en-US"/>
           </a:p>
@@ -1444,7 +1445,7 @@
           <a:p>
             <a:fld id="{E0434288-5E32-9949-BFBC-7031B3C73DE4}" type="datetimeFigureOut">
               <a:rPr lang="en-US" smtClean="0"/>
-              <a:t>1/9/23</a:t>
+              <a:t>1/10/23</a:t>
             </a:fld>
             <a:endParaRPr lang="en-US"/>
           </a:p>
@@ -1676,7 +1677,7 @@
           <a:p>
             <a:fld id="{E0434288-5E32-9949-BFBC-7031B3C73DE4}" type="datetimeFigureOut">
               <a:rPr lang="en-US" smtClean="0"/>
-              <a:t>1/9/23</a:t>
+              <a:t>1/10/23</a:t>
             </a:fld>
             <a:endParaRPr lang="en-US"/>
           </a:p>
@@ -2043,7 +2044,7 @@
           <a:p>
             <a:fld id="{E0434288-5E32-9949-BFBC-7031B3C73DE4}" type="datetimeFigureOut">
               <a:rPr lang="en-US" smtClean="0"/>
-              <a:t>1/9/23</a:t>
+              <a:t>1/10/23</a:t>
             </a:fld>
             <a:endParaRPr lang="en-US"/>
           </a:p>
@@ -2161,7 +2162,7 @@
           <a:p>
             <a:fld id="{E0434288-5E32-9949-BFBC-7031B3C73DE4}" type="datetimeFigureOut">
               <a:rPr lang="en-US" smtClean="0"/>
-              <a:t>1/9/23</a:t>
+              <a:t>1/10/23</a:t>
             </a:fld>
             <a:endParaRPr lang="en-US"/>
           </a:p>
@@ -2256,7 +2257,7 @@
           <a:p>
             <a:fld id="{E0434288-5E32-9949-BFBC-7031B3C73DE4}" type="datetimeFigureOut">
               <a:rPr lang="en-US" smtClean="0"/>
-              <a:t>1/9/23</a:t>
+              <a:t>1/10/23</a:t>
             </a:fld>
             <a:endParaRPr lang="en-US"/>
           </a:p>
@@ -2533,7 +2534,7 @@
           <a:p>
             <a:fld id="{E0434288-5E32-9949-BFBC-7031B3C73DE4}" type="datetimeFigureOut">
               <a:rPr lang="en-US" smtClean="0"/>
-              <a:t>1/9/23</a:t>
+              <a:t>1/10/23</a:t>
             </a:fld>
             <a:endParaRPr lang="en-US"/>
           </a:p>
@@ -2790,7 +2791,7 @@
           <a:p>
             <a:fld id="{E0434288-5E32-9949-BFBC-7031B3C73DE4}" type="datetimeFigureOut">
               <a:rPr lang="en-US" smtClean="0"/>
-              <a:t>1/9/23</a:t>
+              <a:t>1/10/23</a:t>
             </a:fld>
             <a:endParaRPr lang="en-US"/>
           </a:p>
@@ -3003,7 +3004,7 @@
           <a:p>
             <a:fld id="{E0434288-5E32-9949-BFBC-7031B3C73DE4}" type="datetimeFigureOut">
               <a:rPr lang="en-US" smtClean="0"/>
-              <a:t>1/9/23</a:t>
+              <a:t>1/10/23</a:t>
             </a:fld>
             <a:endParaRPr lang="en-US"/>
           </a:p>
@@ -3958,6 +3959,203 @@
 </p:sld>
 </file>
 
+<file path=ppt/slides/slide3.xml><?xml version="1.0" encoding="utf-8"?>
+<p:sld xmlns:a="http://schemas.openxmlformats.org/drawingml/2006/main" xmlns:r="http://schemas.openxmlformats.org/officeDocument/2006/relationships" xmlns:p="http://schemas.openxmlformats.org/presentationml/2006/main">
+  <p:cSld>
+    <p:spTree>
+      <p:nvGrpSpPr>
+        <p:cNvPr id="1" name=""/>
+        <p:cNvGrpSpPr/>
+        <p:nvPr/>
+      </p:nvGrpSpPr>
+      <p:grpSpPr>
+        <a:xfrm>
+          <a:off x="0" y="0"/>
+          <a:ext cx="0" cy="0"/>
+          <a:chOff x="0" y="0"/>
+          <a:chExt cx="0" cy="0"/>
+        </a:xfrm>
+      </p:grpSpPr>
+      <p:pic>
+        <p:nvPicPr>
+          <p:cNvPr id="4" name="Picture 3">
+            <a:extLst>
+              <a:ext uri="{FF2B5EF4-FFF2-40B4-BE49-F238E27FC236}">
+                <a16:creationId xmlns:a16="http://schemas.microsoft.com/office/drawing/2014/main" id="{1217E2DB-785C-B029-B30C-BA5A1724D49C}"/>
+              </a:ext>
+            </a:extLst>
+          </p:cNvPr>
+          <p:cNvPicPr>
+            <a:picLocks noChangeAspect="1"/>
+          </p:cNvPicPr>
+          <p:nvPr/>
+        </p:nvPicPr>
+        <p:blipFill rotWithShape="1">
+          <a:blip r:embed="rId2">
+            <a:clrChange>
+              <a:clrFrom>
+                <a:srgbClr val="ECECEC"/>
+              </a:clrFrom>
+              <a:clrTo>
+                <a:srgbClr val="ECECEC">
+                  <a:alpha val="0"/>
+                </a:srgbClr>
+              </a:clrTo>
+            </a:clrChange>
+          </a:blip>
+          <a:srcRect t="7698" b="1849"/>
+          <a:stretch/>
+        </p:blipFill>
+        <p:spPr>
+          <a:xfrm>
+            <a:off x="1555749" y="2890433"/>
+            <a:ext cx="3746500" cy="3595607"/>
+          </a:xfrm>
+          <a:prstGeom prst="rect">
+            <a:avLst/>
+          </a:prstGeom>
+        </p:spPr>
+      </p:pic>
+      <p:sp>
+        <p:nvSpPr>
+          <p:cNvPr id="5" name="Arc 4">
+            <a:extLst>
+              <a:ext uri="{FF2B5EF4-FFF2-40B4-BE49-F238E27FC236}">
+                <a16:creationId xmlns:a16="http://schemas.microsoft.com/office/drawing/2014/main" id="{E14AC2B1-97B5-085B-AF2F-FE8EF228A2C5}"/>
+              </a:ext>
+            </a:extLst>
+          </p:cNvPr>
+          <p:cNvSpPr/>
+          <p:nvPr/>
+        </p:nvSpPr>
+        <p:spPr>
+          <a:xfrm>
+            <a:off x="1209606" y="2394840"/>
+            <a:ext cx="4438786" cy="4586791"/>
+          </a:xfrm>
+          <a:prstGeom prst="arc">
+            <a:avLst>
+              <a:gd name="adj1" fmla="val 14431268"/>
+              <a:gd name="adj2" fmla="val 18069513"/>
+            </a:avLst>
+          </a:prstGeom>
+          <a:ln w="38100">
+            <a:solidFill>
+              <a:schemeClr val="accent1"/>
+            </a:solidFill>
+          </a:ln>
+        </p:spPr>
+        <p:style>
+          <a:lnRef idx="1">
+            <a:schemeClr val="accent1"/>
+          </a:lnRef>
+          <a:fillRef idx="0">
+            <a:schemeClr val="accent1"/>
+          </a:fillRef>
+          <a:effectRef idx="0">
+            <a:schemeClr val="accent1"/>
+          </a:effectRef>
+          <a:fontRef idx="minor">
+            <a:schemeClr val="tx1"/>
+          </a:fontRef>
+        </p:style>
+        <p:txBody>
+          <a:bodyPr rtlCol="0" anchor="ctr"/>
+          <a:lstStyle/>
+          <a:p>
+            <a:pPr algn="ctr"/>
+            <a:endParaRPr lang="en-US"/>
+          </a:p>
+        </p:txBody>
+      </p:sp>
+      <p:sp>
+        <p:nvSpPr>
+          <p:cNvPr id="10" name="TextBox 9">
+            <a:extLst>
+              <a:ext uri="{FF2B5EF4-FFF2-40B4-BE49-F238E27FC236}">
+                <a16:creationId xmlns:a16="http://schemas.microsoft.com/office/drawing/2014/main" id="{F8F85E85-F5C7-450F-7275-DC903DD3C29A}"/>
+              </a:ext>
+            </a:extLst>
+          </p:cNvPr>
+          <p:cNvSpPr txBox="1"/>
+          <p:nvPr/>
+        </p:nvSpPr>
+        <p:spPr>
+          <a:xfrm>
+            <a:off x="2820402" y="2025508"/>
+            <a:ext cx="1217193" cy="369332"/>
+          </a:xfrm>
+          <a:prstGeom prst="rect">
+            <a:avLst/>
+          </a:prstGeom>
+          <a:noFill/>
+        </p:spPr>
+        <p:txBody>
+          <a:bodyPr wrap="none" rtlCol="0">
+            <a:spAutoFit/>
+          </a:bodyPr>
+          <a:lstStyle/>
+          <a:p>
+            <a:r>
+              <a:rPr lang="en-US" dirty="0"/>
+              <a:t>Transducer</a:t>
+            </a:r>
+          </a:p>
+        </p:txBody>
+      </p:sp>
+      <p:pic>
+        <p:nvPicPr>
+          <p:cNvPr id="11" name="Picture 10">
+            <a:extLst>
+              <a:ext uri="{FF2B5EF4-FFF2-40B4-BE49-F238E27FC236}">
+                <a16:creationId xmlns:a16="http://schemas.microsoft.com/office/drawing/2014/main" id="{2B08C95C-2C3B-2B09-46B0-866E51DBFD4F}"/>
+              </a:ext>
+            </a:extLst>
+          </p:cNvPr>
+          <p:cNvPicPr>
+            <a:picLocks noChangeAspect="1"/>
+          </p:cNvPicPr>
+          <p:nvPr/>
+        </p:nvPicPr>
+        <p:blipFill rotWithShape="1">
+          <a:blip r:embed="rId2">
+            <a:clrChange>
+              <a:clrFrom>
+                <a:srgbClr val="ECECEC"/>
+              </a:clrFrom>
+              <a:clrTo>
+                <a:srgbClr val="ECECEC">
+                  <a:alpha val="0"/>
+                </a:srgbClr>
+              </a:clrTo>
+            </a:clrChange>
+          </a:blip>
+          <a:srcRect l="32591" t="1525" r="32039" b="91652"/>
+          <a:stretch/>
+        </p:blipFill>
+        <p:spPr>
+          <a:xfrm>
+            <a:off x="4745964" y="2678212"/>
+            <a:ext cx="1112569" cy="227718"/>
+          </a:xfrm>
+          <a:prstGeom prst="rect">
+            <a:avLst/>
+          </a:prstGeom>
+        </p:spPr>
+      </p:pic>
+    </p:spTree>
+    <p:extLst>
+      <p:ext uri="{BB962C8B-B14F-4D97-AF65-F5344CB8AC3E}">
+        <p14:creationId xmlns:p14="http://schemas.microsoft.com/office/powerpoint/2010/main" val="767258166"/>
+      </p:ext>
+    </p:extLst>
+  </p:cSld>
+  <p:clrMapOvr>
+    <a:masterClrMapping/>
+  </p:clrMapOvr>
+</p:sld>
+</file>
+
 <file path=ppt/theme/theme1.xml><?xml version="1.0" encoding="utf-8"?>
 <a:theme xmlns:a="http://schemas.openxmlformats.org/drawingml/2006/main" name="Office Theme 2013 - 2022">
   <a:themeElements>

--- a/docs/IntroSlide.pptx
+++ b/docs/IntroSlide.pptx
@@ -199,7 +199,7 @@
           <a:p>
             <a:fld id="{BE0FBC6B-ECDA-E84C-A9B5-11EC478FBE33}" type="datetimeFigureOut">
               <a:rPr lang="en-US" smtClean="0"/>
-              <a:t>1/10/23</a:t>
+              <a:t>1/24/23</a:t>
             </a:fld>
             <a:endParaRPr lang="en-US"/>
           </a:p>
@@ -681,7 +681,7 @@
           <a:p>
             <a:fld id="{E0434288-5E32-9949-BFBC-7031B3C73DE4}" type="datetimeFigureOut">
               <a:rPr lang="en-US" smtClean="0"/>
-              <a:t>1/10/23</a:t>
+              <a:t>1/24/23</a:t>
             </a:fld>
             <a:endParaRPr lang="en-US"/>
           </a:p>
@@ -851,7 +851,7 @@
           <a:p>
             <a:fld id="{E0434288-5E32-9949-BFBC-7031B3C73DE4}" type="datetimeFigureOut">
               <a:rPr lang="en-US" smtClean="0"/>
-              <a:t>1/10/23</a:t>
+              <a:t>1/24/23</a:t>
             </a:fld>
             <a:endParaRPr lang="en-US"/>
           </a:p>
@@ -1031,7 +1031,7 @@
           <a:p>
             <a:fld id="{E0434288-5E32-9949-BFBC-7031B3C73DE4}" type="datetimeFigureOut">
               <a:rPr lang="en-US" smtClean="0"/>
-              <a:t>1/10/23</a:t>
+              <a:t>1/24/23</a:t>
             </a:fld>
             <a:endParaRPr lang="en-US"/>
           </a:p>
@@ -1201,7 +1201,7 @@
           <a:p>
             <a:fld id="{E0434288-5E32-9949-BFBC-7031B3C73DE4}" type="datetimeFigureOut">
               <a:rPr lang="en-US" smtClean="0"/>
-              <a:t>1/10/23</a:t>
+              <a:t>1/24/23</a:t>
             </a:fld>
             <a:endParaRPr lang="en-US"/>
           </a:p>
@@ -1445,7 +1445,7 @@
           <a:p>
             <a:fld id="{E0434288-5E32-9949-BFBC-7031B3C73DE4}" type="datetimeFigureOut">
               <a:rPr lang="en-US" smtClean="0"/>
-              <a:t>1/10/23</a:t>
+              <a:t>1/24/23</a:t>
             </a:fld>
             <a:endParaRPr lang="en-US"/>
           </a:p>
@@ -1677,7 +1677,7 @@
           <a:p>
             <a:fld id="{E0434288-5E32-9949-BFBC-7031B3C73DE4}" type="datetimeFigureOut">
               <a:rPr lang="en-US" smtClean="0"/>
-              <a:t>1/10/23</a:t>
+              <a:t>1/24/23</a:t>
             </a:fld>
             <a:endParaRPr lang="en-US"/>
           </a:p>
@@ -2044,7 +2044,7 @@
           <a:p>
             <a:fld id="{E0434288-5E32-9949-BFBC-7031B3C73DE4}" type="datetimeFigureOut">
               <a:rPr lang="en-US" smtClean="0"/>
-              <a:t>1/10/23</a:t>
+              <a:t>1/24/23</a:t>
             </a:fld>
             <a:endParaRPr lang="en-US"/>
           </a:p>
@@ -2162,7 +2162,7 @@
           <a:p>
             <a:fld id="{E0434288-5E32-9949-BFBC-7031B3C73DE4}" type="datetimeFigureOut">
               <a:rPr lang="en-US" smtClean="0"/>
-              <a:t>1/10/23</a:t>
+              <a:t>1/24/23</a:t>
             </a:fld>
             <a:endParaRPr lang="en-US"/>
           </a:p>
@@ -2257,7 +2257,7 @@
           <a:p>
             <a:fld id="{E0434288-5E32-9949-BFBC-7031B3C73DE4}" type="datetimeFigureOut">
               <a:rPr lang="en-US" smtClean="0"/>
-              <a:t>1/10/23</a:t>
+              <a:t>1/24/23</a:t>
             </a:fld>
             <a:endParaRPr lang="en-US"/>
           </a:p>
@@ -2534,7 +2534,7 @@
           <a:p>
             <a:fld id="{E0434288-5E32-9949-BFBC-7031B3C73DE4}" type="datetimeFigureOut">
               <a:rPr lang="en-US" smtClean="0"/>
-              <a:t>1/10/23</a:t>
+              <a:t>1/24/23</a:t>
             </a:fld>
             <a:endParaRPr lang="en-US"/>
           </a:p>
@@ -2791,7 +2791,7 @@
           <a:p>
             <a:fld id="{E0434288-5E32-9949-BFBC-7031B3C73DE4}" type="datetimeFigureOut">
               <a:rPr lang="en-US" smtClean="0"/>
-              <a:t>1/10/23</a:t>
+              <a:t>1/24/23</a:t>
             </a:fld>
             <a:endParaRPr lang="en-US"/>
           </a:p>
@@ -3004,7 +3004,7 @@
           <a:p>
             <a:fld id="{E0434288-5E32-9949-BFBC-7031B3C73DE4}" type="datetimeFigureOut">
               <a:rPr lang="en-US" smtClean="0"/>
-              <a:t>1/10/23</a:t>
+              <a:t>1/24/23</a:t>
             </a:fld>
             <a:endParaRPr lang="en-US"/>
           </a:p>
@@ -4143,6 +4143,231 @@
           </a:prstGeom>
         </p:spPr>
       </p:pic>
+      <p:sp>
+        <p:nvSpPr>
+          <p:cNvPr id="2" name="Freeform 1">
+            <a:extLst>
+              <a:ext uri="{FF2B5EF4-FFF2-40B4-BE49-F238E27FC236}">
+                <a16:creationId xmlns:a16="http://schemas.microsoft.com/office/drawing/2014/main" id="{A7D82BD9-855C-8EA4-A45E-921B925701D2}"/>
+              </a:ext>
+            </a:extLst>
+          </p:cNvPr>
+          <p:cNvSpPr/>
+          <p:nvPr/>
+        </p:nvSpPr>
+        <p:spPr>
+          <a:xfrm>
+            <a:off x="2288050" y="2944122"/>
+            <a:ext cx="2288050" cy="135315"/>
+          </a:xfrm>
+          <a:custGeom>
+            <a:avLst/>
+            <a:gdLst>
+              <a:gd name="connsiteX0" fmla="*/ 0 w 2288050"/>
+              <a:gd name="connsiteY0" fmla="*/ 135315 h 135315"/>
+              <a:gd name="connsiteX1" fmla="*/ 110712 w 2288050"/>
+              <a:gd name="connsiteY1" fmla="*/ 131214 h 135315"/>
+              <a:gd name="connsiteX2" fmla="*/ 159918 w 2288050"/>
+              <a:gd name="connsiteY2" fmla="*/ 94310 h 135315"/>
+              <a:gd name="connsiteX3" fmla="*/ 287032 w 2288050"/>
+              <a:gd name="connsiteY3" fmla="*/ 90210 h 135315"/>
+              <a:gd name="connsiteX4" fmla="*/ 336237 w 2288050"/>
+              <a:gd name="connsiteY4" fmla="*/ 49205 h 135315"/>
+              <a:gd name="connsiteX5" fmla="*/ 459250 w 2288050"/>
+              <a:gd name="connsiteY5" fmla="*/ 45105 h 135315"/>
+              <a:gd name="connsiteX6" fmla="*/ 524858 w 2288050"/>
+              <a:gd name="connsiteY6" fmla="*/ 4100 h 135315"/>
+              <a:gd name="connsiteX7" fmla="*/ 606867 w 2288050"/>
+              <a:gd name="connsiteY7" fmla="*/ 0 h 135315"/>
+              <a:gd name="connsiteX8" fmla="*/ 1271139 w 2288050"/>
+              <a:gd name="connsiteY8" fmla="*/ 8201 h 135315"/>
+              <a:gd name="connsiteX9" fmla="*/ 1771394 w 2288050"/>
+              <a:gd name="connsiteY9" fmla="*/ 0 h 135315"/>
+              <a:gd name="connsiteX10" fmla="*/ 1845202 w 2288050"/>
+              <a:gd name="connsiteY10" fmla="*/ 4100 h 135315"/>
+              <a:gd name="connsiteX11" fmla="*/ 1869805 w 2288050"/>
+              <a:gd name="connsiteY11" fmla="*/ 41004 h 135315"/>
+              <a:gd name="connsiteX12" fmla="*/ 2124033 w 2288050"/>
+              <a:gd name="connsiteY12" fmla="*/ 41004 h 135315"/>
+              <a:gd name="connsiteX13" fmla="*/ 2173238 w 2288050"/>
+              <a:gd name="connsiteY13" fmla="*/ 94310 h 135315"/>
+              <a:gd name="connsiteX14" fmla="*/ 2288050 w 2288050"/>
+              <a:gd name="connsiteY14" fmla="*/ 90210 h 135315"/>
+              <a:gd name="connsiteX15" fmla="*/ 2283950 w 2288050"/>
+              <a:gd name="connsiteY15" fmla="*/ 90210 h 135315"/>
+            </a:gdLst>
+            <a:ahLst/>
+            <a:cxnLst>
+              <a:cxn ang="0">
+                <a:pos x="connsiteX0" y="connsiteY0"/>
+              </a:cxn>
+              <a:cxn ang="0">
+                <a:pos x="connsiteX1" y="connsiteY1"/>
+              </a:cxn>
+              <a:cxn ang="0">
+                <a:pos x="connsiteX2" y="connsiteY2"/>
+              </a:cxn>
+              <a:cxn ang="0">
+                <a:pos x="connsiteX3" y="connsiteY3"/>
+              </a:cxn>
+              <a:cxn ang="0">
+                <a:pos x="connsiteX4" y="connsiteY4"/>
+              </a:cxn>
+              <a:cxn ang="0">
+                <a:pos x="connsiteX5" y="connsiteY5"/>
+              </a:cxn>
+              <a:cxn ang="0">
+                <a:pos x="connsiteX6" y="connsiteY6"/>
+              </a:cxn>
+              <a:cxn ang="0">
+                <a:pos x="connsiteX7" y="connsiteY7"/>
+              </a:cxn>
+              <a:cxn ang="0">
+                <a:pos x="connsiteX8" y="connsiteY8"/>
+              </a:cxn>
+              <a:cxn ang="0">
+                <a:pos x="connsiteX9" y="connsiteY9"/>
+              </a:cxn>
+              <a:cxn ang="0">
+                <a:pos x="connsiteX10" y="connsiteY10"/>
+              </a:cxn>
+              <a:cxn ang="0">
+                <a:pos x="connsiteX11" y="connsiteY11"/>
+              </a:cxn>
+              <a:cxn ang="0">
+                <a:pos x="connsiteX12" y="connsiteY12"/>
+              </a:cxn>
+              <a:cxn ang="0">
+                <a:pos x="connsiteX13" y="connsiteY13"/>
+              </a:cxn>
+              <a:cxn ang="0">
+                <a:pos x="connsiteX14" y="connsiteY14"/>
+              </a:cxn>
+              <a:cxn ang="0">
+                <a:pos x="connsiteX15" y="connsiteY15"/>
+              </a:cxn>
+            </a:cxnLst>
+            <a:rect l="l" t="t" r="r" b="b"/>
+            <a:pathLst>
+              <a:path w="2288050" h="135315">
+                <a:moveTo>
+                  <a:pt x="0" y="135315"/>
+                </a:moveTo>
+                <a:lnTo>
+                  <a:pt x="110712" y="131214"/>
+                </a:lnTo>
+                <a:lnTo>
+                  <a:pt x="159918" y="94310"/>
+                </a:lnTo>
+                <a:lnTo>
+                  <a:pt x="287032" y="90210"/>
+                </a:lnTo>
+                <a:lnTo>
+                  <a:pt x="336237" y="49205"/>
+                </a:lnTo>
+                <a:lnTo>
+                  <a:pt x="459250" y="45105"/>
+                </a:lnTo>
+                <a:lnTo>
+                  <a:pt x="524858" y="4100"/>
+                </a:lnTo>
+                <a:lnTo>
+                  <a:pt x="606867" y="0"/>
+                </a:lnTo>
+                <a:lnTo>
+                  <a:pt x="1271139" y="8201"/>
+                </a:lnTo>
+                <a:lnTo>
+                  <a:pt x="1771394" y="0"/>
+                </a:lnTo>
+                <a:lnTo>
+                  <a:pt x="1845202" y="4100"/>
+                </a:lnTo>
+                <a:lnTo>
+                  <a:pt x="1869805" y="41004"/>
+                </a:lnTo>
+                <a:lnTo>
+                  <a:pt x="2124033" y="41004"/>
+                </a:lnTo>
+                <a:lnTo>
+                  <a:pt x="2173238" y="94310"/>
+                </a:lnTo>
+                <a:lnTo>
+                  <a:pt x="2288050" y="90210"/>
+                </a:lnTo>
+                <a:lnTo>
+                  <a:pt x="2283950" y="90210"/>
+                </a:lnTo>
+              </a:path>
+            </a:pathLst>
+          </a:custGeom>
+          <a:noFill/>
+          <a:ln w="28575">
+            <a:solidFill>
+              <a:schemeClr val="bg1"/>
+            </a:solidFill>
+          </a:ln>
+        </p:spPr>
+        <p:style>
+          <a:lnRef idx="2">
+            <a:schemeClr val="accent1">
+              <a:shade val="50000"/>
+            </a:schemeClr>
+          </a:lnRef>
+          <a:fillRef idx="1">
+            <a:schemeClr val="accent1"/>
+          </a:fillRef>
+          <a:effectRef idx="0">
+            <a:schemeClr val="accent1"/>
+          </a:effectRef>
+          <a:fontRef idx="minor">
+            <a:schemeClr val="lt1"/>
+          </a:fontRef>
+        </p:style>
+        <p:txBody>
+          <a:bodyPr rtlCol="0" anchor="ctr"/>
+          <a:lstStyle/>
+          <a:p>
+            <a:pPr algn="ctr"/>
+            <a:endParaRPr lang="en-US"/>
+          </a:p>
+        </p:txBody>
+      </p:sp>
+      <p:sp>
+        <p:nvSpPr>
+          <p:cNvPr id="6" name="TextBox 5">
+            <a:extLst>
+              <a:ext uri="{FF2B5EF4-FFF2-40B4-BE49-F238E27FC236}">
+                <a16:creationId xmlns:a16="http://schemas.microsoft.com/office/drawing/2014/main" id="{F041847E-DF5F-F669-67FC-7FE9466EC853}"/>
+              </a:ext>
+            </a:extLst>
+          </p:cNvPr>
+          <p:cNvSpPr txBox="1"/>
+          <p:nvPr/>
+        </p:nvSpPr>
+        <p:spPr>
+          <a:xfrm>
+            <a:off x="3148254" y="6318337"/>
+            <a:ext cx="627095" cy="276999"/>
+          </a:xfrm>
+          <a:prstGeom prst="rect">
+            <a:avLst/>
+          </a:prstGeom>
+          <a:noFill/>
+        </p:spPr>
+        <p:txBody>
+          <a:bodyPr wrap="none" rtlCol="0">
+            <a:spAutoFit/>
+          </a:bodyPr>
+          <a:lstStyle/>
+          <a:p>
+            <a:r>
+              <a:rPr lang="en-US" sz="1200" dirty="0"/>
+              <a:t>x (mm)</a:t>
+            </a:r>
+          </a:p>
+        </p:txBody>
+      </p:sp>
     </p:spTree>
     <p:extLst>
       <p:ext uri="{BB962C8B-B14F-4D97-AF65-F5344CB8AC3E}">

--- a/docs/IntroSlide.pptx
+++ b/docs/IntroSlide.pptx
@@ -199,7 +199,7 @@
           <a:p>
             <a:fld id="{BE0FBC6B-ECDA-E84C-A9B5-11EC478FBE33}" type="datetimeFigureOut">
               <a:rPr lang="en-US" smtClean="0"/>
-              <a:t>1/24/23</a:t>
+              <a:t>8/23/24</a:t>
             </a:fld>
             <a:endParaRPr lang="en-US"/>
           </a:p>
@@ -681,7 +681,7 @@
           <a:p>
             <a:fld id="{E0434288-5E32-9949-BFBC-7031B3C73DE4}" type="datetimeFigureOut">
               <a:rPr lang="en-US" smtClean="0"/>
-              <a:t>1/24/23</a:t>
+              <a:t>8/23/24</a:t>
             </a:fld>
             <a:endParaRPr lang="en-US"/>
           </a:p>
@@ -851,7 +851,7 @@
           <a:p>
             <a:fld id="{E0434288-5E32-9949-BFBC-7031B3C73DE4}" type="datetimeFigureOut">
               <a:rPr lang="en-US" smtClean="0"/>
-              <a:t>1/24/23</a:t>
+              <a:t>8/23/24</a:t>
             </a:fld>
             <a:endParaRPr lang="en-US"/>
           </a:p>
@@ -1031,7 +1031,7 @@
           <a:p>
             <a:fld id="{E0434288-5E32-9949-BFBC-7031B3C73DE4}" type="datetimeFigureOut">
               <a:rPr lang="en-US" smtClean="0"/>
-              <a:t>1/24/23</a:t>
+              <a:t>8/23/24</a:t>
             </a:fld>
             <a:endParaRPr lang="en-US"/>
           </a:p>
@@ -1201,7 +1201,7 @@
           <a:p>
             <a:fld id="{E0434288-5E32-9949-BFBC-7031B3C73DE4}" type="datetimeFigureOut">
               <a:rPr lang="en-US" smtClean="0"/>
-              <a:t>1/24/23</a:t>
+              <a:t>8/23/24</a:t>
             </a:fld>
             <a:endParaRPr lang="en-US"/>
           </a:p>
@@ -1445,7 +1445,7 @@
           <a:p>
             <a:fld id="{E0434288-5E32-9949-BFBC-7031B3C73DE4}" type="datetimeFigureOut">
               <a:rPr lang="en-US" smtClean="0"/>
-              <a:t>1/24/23</a:t>
+              <a:t>8/23/24</a:t>
             </a:fld>
             <a:endParaRPr lang="en-US"/>
           </a:p>
@@ -1677,7 +1677,7 @@
           <a:p>
             <a:fld id="{E0434288-5E32-9949-BFBC-7031B3C73DE4}" type="datetimeFigureOut">
               <a:rPr lang="en-US" smtClean="0"/>
-              <a:t>1/24/23</a:t>
+              <a:t>8/23/24</a:t>
             </a:fld>
             <a:endParaRPr lang="en-US"/>
           </a:p>
@@ -2044,7 +2044,7 @@
           <a:p>
             <a:fld id="{E0434288-5E32-9949-BFBC-7031B3C73DE4}" type="datetimeFigureOut">
               <a:rPr lang="en-US" smtClean="0"/>
-              <a:t>1/24/23</a:t>
+              <a:t>8/23/24</a:t>
             </a:fld>
             <a:endParaRPr lang="en-US"/>
           </a:p>
@@ -2162,7 +2162,7 @@
           <a:p>
             <a:fld id="{E0434288-5E32-9949-BFBC-7031B3C73DE4}" type="datetimeFigureOut">
               <a:rPr lang="en-US" smtClean="0"/>
-              <a:t>1/24/23</a:t>
+              <a:t>8/23/24</a:t>
             </a:fld>
             <a:endParaRPr lang="en-US"/>
           </a:p>
@@ -2257,7 +2257,7 @@
           <a:p>
             <a:fld id="{E0434288-5E32-9949-BFBC-7031B3C73DE4}" type="datetimeFigureOut">
               <a:rPr lang="en-US" smtClean="0"/>
-              <a:t>1/24/23</a:t>
+              <a:t>8/23/24</a:t>
             </a:fld>
             <a:endParaRPr lang="en-US"/>
           </a:p>
@@ -2534,7 +2534,7 @@
           <a:p>
             <a:fld id="{E0434288-5E32-9949-BFBC-7031B3C73DE4}" type="datetimeFigureOut">
               <a:rPr lang="en-US" smtClean="0"/>
-              <a:t>1/24/23</a:t>
+              <a:t>8/23/24</a:t>
             </a:fld>
             <a:endParaRPr lang="en-US"/>
           </a:p>
@@ -2791,7 +2791,7 @@
           <a:p>
             <a:fld id="{E0434288-5E32-9949-BFBC-7031B3C73DE4}" type="datetimeFigureOut">
               <a:rPr lang="en-US" smtClean="0"/>
-              <a:t>1/24/23</a:t>
+              <a:t>8/23/24</a:t>
             </a:fld>
             <a:endParaRPr lang="en-US"/>
           </a:p>
@@ -3004,7 +3004,7 @@
           <a:p>
             <a:fld id="{E0434288-5E32-9949-BFBC-7031B3C73DE4}" type="datetimeFigureOut">
               <a:rPr lang="en-US" smtClean="0"/>
-              <a:t>1/24/23</a:t>
+              <a:t>8/23/24</a:t>
             </a:fld>
             <a:endParaRPr lang="en-US"/>
           </a:p>
@@ -3411,10 +3411,10 @@
       </p:grpSpPr>
       <p:pic>
         <p:nvPicPr>
-          <p:cNvPr id="5" name="Picture 4" descr="Graphical user interface, application&#10;&#10;Description automatically generated">
+          <p:cNvPr id="2" name="Picture 1">
             <a:extLst>
               <a:ext uri="{FF2B5EF4-FFF2-40B4-BE49-F238E27FC236}">
-                <a16:creationId xmlns:a16="http://schemas.microsoft.com/office/drawing/2014/main" id="{60904DA6-66D8-D738-6C76-960DAB8A2A1C}"/>
+                <a16:creationId xmlns:a16="http://schemas.microsoft.com/office/drawing/2014/main" id="{6E2B50BE-4F5C-29B2-5D99-C3580016F674}"/>
               </a:ext>
             </a:extLst>
           </p:cNvPr>
@@ -3431,8 +3431,8 @@
         </p:blipFill>
         <p:spPr>
           <a:xfrm>
-            <a:off x="51958" y="1265273"/>
-            <a:ext cx="4828332" cy="2815913"/>
+            <a:off x="0" y="1250447"/>
+            <a:ext cx="4828332" cy="2885178"/>
           </a:xfrm>
           <a:prstGeom prst="rect">
             <a:avLst/>
@@ -3451,10 +3451,10 @@
       </p:pic>
       <p:pic>
         <p:nvPicPr>
-          <p:cNvPr id="7" name="Picture 6" descr="Graphical user interface, application&#10;&#10;Description automatically generated">
+          <p:cNvPr id="3" name="Picture 2">
             <a:extLst>
               <a:ext uri="{FF2B5EF4-FFF2-40B4-BE49-F238E27FC236}">
-                <a16:creationId xmlns:a16="http://schemas.microsoft.com/office/drawing/2014/main" id="{423B0D55-D023-3222-9B57-916301F938DF}"/>
+                <a16:creationId xmlns:a16="http://schemas.microsoft.com/office/drawing/2014/main" id="{AE15277D-5679-D326-AA6E-1B67DE5ED214}"/>
               </a:ext>
             </a:extLst>
           </p:cNvPr>
@@ -3471,8 +3471,8 @@
         </p:blipFill>
         <p:spPr>
           <a:xfrm>
-            <a:off x="1002411" y="3299451"/>
-            <a:ext cx="4828332" cy="2799621"/>
+            <a:off x="1027257" y="3299452"/>
+            <a:ext cx="4803486" cy="2876934"/>
           </a:xfrm>
           <a:prstGeom prst="rect">
             <a:avLst/>
@@ -3491,10 +3491,10 @@
       </p:pic>
       <p:pic>
         <p:nvPicPr>
-          <p:cNvPr id="9" name="Picture 8" descr="Graphical user interface, application&#10;&#10;Description automatically generated">
+          <p:cNvPr id="4" name="Picture 3">
             <a:extLst>
               <a:ext uri="{FF2B5EF4-FFF2-40B4-BE49-F238E27FC236}">
-                <a16:creationId xmlns:a16="http://schemas.microsoft.com/office/drawing/2014/main" id="{69CAAEA4-CF4B-21F5-2B7D-4DEA1171D4E5}"/>
+                <a16:creationId xmlns:a16="http://schemas.microsoft.com/office/drawing/2014/main" id="{8AF477D8-3818-75C0-5F78-B8DA5BD2A0D4}"/>
               </a:ext>
             </a:extLst>
           </p:cNvPr>
@@ -3512,7 +3512,7 @@
         <p:spPr>
           <a:xfrm>
             <a:off x="1832371" y="5057262"/>
-            <a:ext cx="4828332" cy="2821464"/>
+            <a:ext cx="4704837" cy="2821464"/>
           </a:xfrm>
           <a:prstGeom prst="rect">
             <a:avLst/>
